--- a/Daily Agendas/Day1.4_SimonGame2.pptx
+++ b/Daily Agendas/Day1.4_SimonGame2.pptx
@@ -305,7 +305,7 @@
             <a:fld id="{1D8BD707-D9CF-40AE-B4C6-C98DA3205C09}" type="datetimeFigureOut">
               <a:rPr lang="en-US" smtClean="0"/>
               <a:pPr/>
-              <a:t>9/4/2019</a:t>
+              <a:t>9/5/2019</a:t>
             </a:fld>
             <a:endParaRPr lang="en-US"/>
           </a:p>
@@ -470,7 +470,7 @@
             <a:fld id="{1D8BD707-D9CF-40AE-B4C6-C98DA3205C09}" type="datetimeFigureOut">
               <a:rPr lang="en-US" smtClean="0"/>
               <a:pPr/>
-              <a:t>9/4/2019</a:t>
+              <a:t>9/5/2019</a:t>
             </a:fld>
             <a:endParaRPr lang="en-US"/>
           </a:p>
@@ -645,7 +645,7 @@
             <a:fld id="{1D8BD707-D9CF-40AE-B4C6-C98DA3205C09}" type="datetimeFigureOut">
               <a:rPr lang="en-US" smtClean="0"/>
               <a:pPr/>
-              <a:t>9/4/2019</a:t>
+              <a:t>9/5/2019</a:t>
             </a:fld>
             <a:endParaRPr lang="en-US"/>
           </a:p>
@@ -810,7 +810,7 @@
             <a:fld id="{1D8BD707-D9CF-40AE-B4C6-C98DA3205C09}" type="datetimeFigureOut">
               <a:rPr lang="en-US" smtClean="0"/>
               <a:pPr/>
-              <a:t>9/4/2019</a:t>
+              <a:t>9/5/2019</a:t>
             </a:fld>
             <a:endParaRPr lang="en-US"/>
           </a:p>
@@ -1052,7 +1052,7 @@
             <a:fld id="{1D8BD707-D9CF-40AE-B4C6-C98DA3205C09}" type="datetimeFigureOut">
               <a:rPr lang="en-US" smtClean="0"/>
               <a:pPr/>
-              <a:t>9/4/2019</a:t>
+              <a:t>9/5/2019</a:t>
             </a:fld>
             <a:endParaRPr lang="en-US"/>
           </a:p>
@@ -1334,7 +1334,7 @@
             <a:fld id="{1D8BD707-D9CF-40AE-B4C6-C98DA3205C09}" type="datetimeFigureOut">
               <a:rPr lang="en-US" smtClean="0"/>
               <a:pPr/>
-              <a:t>9/4/2019</a:t>
+              <a:t>9/5/2019</a:t>
             </a:fld>
             <a:endParaRPr lang="en-US"/>
           </a:p>
@@ -1750,7 +1750,7 @@
             <a:fld id="{1D8BD707-D9CF-40AE-B4C6-C98DA3205C09}" type="datetimeFigureOut">
               <a:rPr lang="en-US" smtClean="0"/>
               <a:pPr/>
-              <a:t>9/4/2019</a:t>
+              <a:t>9/5/2019</a:t>
             </a:fld>
             <a:endParaRPr lang="en-US"/>
           </a:p>
@@ -1864,7 +1864,7 @@
             <a:fld id="{1D8BD707-D9CF-40AE-B4C6-C98DA3205C09}" type="datetimeFigureOut">
               <a:rPr lang="en-US" smtClean="0"/>
               <a:pPr/>
-              <a:t>9/4/2019</a:t>
+              <a:t>9/5/2019</a:t>
             </a:fld>
             <a:endParaRPr lang="en-US"/>
           </a:p>
@@ -1956,7 +1956,7 @@
             <a:fld id="{1D8BD707-D9CF-40AE-B4C6-C98DA3205C09}" type="datetimeFigureOut">
               <a:rPr lang="en-US" smtClean="0"/>
               <a:pPr/>
-              <a:t>9/4/2019</a:t>
+              <a:t>9/5/2019</a:t>
             </a:fld>
             <a:endParaRPr lang="en-US"/>
           </a:p>
@@ -2228,7 +2228,7 @@
             <a:fld id="{1D8BD707-D9CF-40AE-B4C6-C98DA3205C09}" type="datetimeFigureOut">
               <a:rPr lang="en-US" smtClean="0"/>
               <a:pPr/>
-              <a:t>9/4/2019</a:t>
+              <a:t>9/5/2019</a:t>
             </a:fld>
             <a:endParaRPr lang="en-US"/>
           </a:p>
@@ -2477,7 +2477,7 @@
             <a:fld id="{1D8BD707-D9CF-40AE-B4C6-C98DA3205C09}" type="datetimeFigureOut">
               <a:rPr lang="en-US" smtClean="0"/>
               <a:pPr/>
-              <a:t>9/4/2019</a:t>
+              <a:t>9/5/2019</a:t>
             </a:fld>
             <a:endParaRPr lang="en-US"/>
           </a:p>
@@ -2685,7 +2685,7 @@
             <a:fld id="{1D8BD707-D9CF-40AE-B4C6-C98DA3205C09}" type="datetimeFigureOut">
               <a:rPr lang="en-US" smtClean="0"/>
               <a:pPr/>
-              <a:t>9/4/2019</a:t>
+              <a:t>9/5/2019</a:t>
             </a:fld>
             <a:endParaRPr lang="en-US"/>
           </a:p>
@@ -3208,11 +3208,7 @@
             </a:r>
             <a:r>
               <a:rPr lang="en-US" dirty="0" smtClean="0"/>
-              <a:t>Sep </a:t>
-            </a:r>
-            <a:r>
-              <a:rPr lang="en-US" dirty="0" smtClean="0"/>
-              <a:t>05</a:t>
+              <a:t>Sep 05</a:t>
             </a:r>
             <a:br>
               <a:rPr lang="en-US" dirty="0" smtClean="0"/>
@@ -3238,7 +3234,7 @@
         <p:spPr/>
         <p:txBody>
           <a:bodyPr>
-            <a:normAutofit lnSpcReduction="10000"/>
+            <a:normAutofit fontScale="92500" lnSpcReduction="10000"/>
           </a:bodyPr>
           <a:lstStyle/>
           <a:p>
@@ -3283,6 +3279,18 @@
               <a:rPr lang="en-US" dirty="0" smtClean="0"/>
               <a:t>Icebreaker </a:t>
             </a:r>
+          </a:p>
+          <a:p>
+            <a:pPr lvl="2"/>
+            <a:r>
+              <a:rPr lang="en-CA" dirty="0" smtClean="0"/>
+              <a:t>Complete By End </a:t>
+            </a:r>
+            <a:r>
+              <a:rPr lang="en-CA" smtClean="0"/>
+              <a:t>of Period</a:t>
+            </a:r>
+            <a:endParaRPr lang="en-US" dirty="0" smtClean="0"/>
           </a:p>
           <a:p>
             <a:pPr lvl="1">
@@ -3375,7 +3383,15 @@
             </a:r>
             <a:r>
               <a:rPr lang="en-US" dirty="0" smtClean="0"/>
-              <a:t>Sep 04</a:t>
+              <a:t>Sep </a:t>
+            </a:r>
+            <a:r>
+              <a:rPr lang="en-US" dirty="0" smtClean="0"/>
+              <a:t>05</a:t>
+            </a:r>
+            <a:r>
+              <a:rPr lang="en-US" dirty="0" smtClean="0"/>
+              <a:t/>
             </a:r>
             <a:br>
               <a:rPr lang="en-US" dirty="0" smtClean="0"/>
@@ -3401,7 +3417,7 @@
         <p:spPr/>
         <p:txBody>
           <a:bodyPr>
-            <a:normAutofit/>
+            <a:normAutofit fontScale="92500" lnSpcReduction="20000"/>
           </a:bodyPr>
           <a:lstStyle/>
           <a:p>
@@ -3413,30 +3429,12 @@
           <a:p>
             <a:pPr lvl="1"/>
             <a:r>
-              <a:rPr lang="en-US" dirty="0" smtClean="0"/>
-              <a:t>Attendance </a:t>
-            </a:r>
-            <a:r>
-              <a:rPr lang="en-US" dirty="0"/>
-              <a:t>/ </a:t>
-            </a:r>
-            <a:r>
-              <a:rPr lang="en-US" dirty="0" smtClean="0"/>
-              <a:t>Introductions</a:t>
-            </a:r>
-          </a:p>
-          <a:p>
-            <a:pPr lvl="1"/>
-            <a:r>
-              <a:rPr lang="en-US" dirty="0" smtClean="0"/>
-              <a:t>Open Questions About The course</a:t>
-            </a:r>
-          </a:p>
-          <a:p>
-            <a:pPr lvl="1"/>
-            <a:r>
               <a:rPr lang="en-CA" dirty="0" smtClean="0"/>
-              <a:t>Lesson C.1 </a:t>
+              <a:t>Lesson </a:t>
+            </a:r>
+            <a:r>
+              <a:rPr lang="en-CA" dirty="0" smtClean="0"/>
+              <a:t>C.1 </a:t>
             </a:r>
             <a:r>
               <a:rPr lang="en-US" dirty="0" err="1" smtClean="0"/>
@@ -3448,7 +3446,47 @@
             </a:r>
             <a:r>
               <a:rPr lang="en-US" dirty="0"/>
-              <a:t>Game Icebreaker</a:t>
+              <a:t>Game </a:t>
+            </a:r>
+            <a:r>
+              <a:rPr lang="en-US" dirty="0" smtClean="0"/>
+              <a:t>Icebreaker</a:t>
+            </a:r>
+          </a:p>
+          <a:p>
+            <a:pPr lvl="2"/>
+            <a:r>
+              <a:rPr lang="en-CA" dirty="0" smtClean="0"/>
+              <a:t>Complete lesson questions</a:t>
+            </a:r>
+            <a:endParaRPr lang="en-US" dirty="0" smtClean="0"/>
+          </a:p>
+          <a:p>
+            <a:pPr lvl="1"/>
+            <a:r>
+              <a:rPr lang="en-CA" dirty="0" smtClean="0"/>
+              <a:t>Game Analysis Presentation</a:t>
+            </a:r>
+          </a:p>
+          <a:p>
+            <a:pPr lvl="2"/>
+            <a:r>
+              <a:rPr lang="en-CA" dirty="0" smtClean="0"/>
+              <a:t>Create one presentation (for Monday)</a:t>
+            </a:r>
+          </a:p>
+          <a:p>
+            <a:pPr lvl="2"/>
+            <a:r>
+              <a:rPr lang="en-CA" dirty="0" smtClean="0"/>
+              <a:t>Divide up work in your group</a:t>
+            </a:r>
+          </a:p>
+          <a:p>
+            <a:pPr lvl="2"/>
+            <a:r>
+              <a:rPr lang="en-CA" dirty="0" smtClean="0"/>
+              <a:t>Work on it Today &amp; Tomorrow</a:t>
             </a:r>
             <a:endParaRPr lang="en-US" dirty="0" smtClean="0"/>
           </a:p>
@@ -3478,20 +3516,20 @@
             </a:r>
             <a:r>
               <a:rPr lang="en-US" sz="2400" dirty="0"/>
-              <a:t>Continue Lesson C.1 </a:t>
-            </a:r>
-            <a:r>
-              <a:rPr lang="en-US" sz="2400" dirty="0" err="1" smtClean="0"/>
-              <a:t>Nethack</a:t>
+              <a:t>Continue </a:t>
             </a:r>
             <a:r>
               <a:rPr lang="en-US" sz="2400" dirty="0" smtClean="0"/>
-              <a:t> </a:t>
-            </a:r>
-            <a:r>
-              <a:rPr lang="en-US" sz="2400" dirty="0"/>
-              <a:t>Game Icebreaker</a:t>
-            </a:r>
+              <a:t>Game Presentation</a:t>
+            </a:r>
+          </a:p>
+          <a:p>
+            <a:pPr lvl="1"/>
+            <a:r>
+              <a:rPr lang="en-CA" sz="2400" dirty="0" smtClean="0"/>
+              <a:t>Monday: Game Presentation Due</a:t>
+            </a:r>
+            <a:endParaRPr lang="en-US" sz="2400" dirty="0"/>
           </a:p>
         </p:txBody>
       </p:sp>
